--- a/Sprint2/Diagrama de Solução de Software/Diagrama de Solução de Software - MOCA.pptx
+++ b/Sprint2/Diagrama de Solução de Software/Diagrama de Solução de Software - MOCA.pptx
@@ -123,6 +123,110 @@
 <file path=ppt/changesInfos/changesInfo1.xml><?xml version="1.0" encoding="utf-8"?>
 <pc:chgInfo xmlns:a="http://schemas.openxmlformats.org/drawingml/2006/main" xmlns:r="http://schemas.openxmlformats.org/officeDocument/2006/relationships" xmlns:ac="http://schemas.microsoft.com/office/drawing/2013/main/command" xmlns:pc="http://schemas.microsoft.com/office/powerpoint/2013/main/command">
   <pc:docChgLst>
+    <pc:chgData name="Raul Meira de Souza" userId="0b810766-76aa-4ac6-b01e-c80b8c896654" providerId="ADAL" clId="{77C74E0B-743A-42A7-977E-45E5C636DD9B}"/>
+    <pc:docChg chg="undo custSel modSld">
+      <pc:chgData name="Raul Meira de Souza" userId="0b810766-76aa-4ac6-b01e-c80b8c896654" providerId="ADAL" clId="{77C74E0B-743A-42A7-977E-45E5C636DD9B}" dt="2023-05-15T23:20:59.231" v="29" actId="1076"/>
+      <pc:docMkLst>
+        <pc:docMk/>
+      </pc:docMkLst>
+      <pc:sldChg chg="modSp mod">
+        <pc:chgData name="Raul Meira de Souza" userId="0b810766-76aa-4ac6-b01e-c80b8c896654" providerId="ADAL" clId="{77C74E0B-743A-42A7-977E-45E5C636DD9B}" dt="2023-05-15T23:20:59.231" v="29" actId="1076"/>
+        <pc:sldMkLst>
+          <pc:docMk/>
+          <pc:sldMk cId="4268742440" sldId="1214"/>
+        </pc:sldMkLst>
+        <pc:spChg chg="mod">
+          <ac:chgData name="Raul Meira de Souza" userId="0b810766-76aa-4ac6-b01e-c80b8c896654" providerId="ADAL" clId="{77C74E0B-743A-42A7-977E-45E5C636DD9B}" dt="2023-05-15T23:20:59.231" v="29" actId="1076"/>
+          <ac:spMkLst>
+            <pc:docMk/>
+            <pc:sldMk cId="4268742440" sldId="1214"/>
+            <ac:spMk id="4" creationId="{00000000-0000-0000-0000-000000000000}"/>
+          </ac:spMkLst>
+        </pc:spChg>
+        <pc:spChg chg="mod">
+          <ac:chgData name="Raul Meira de Souza" userId="0b810766-76aa-4ac6-b01e-c80b8c896654" providerId="ADAL" clId="{77C74E0B-743A-42A7-977E-45E5C636DD9B}" dt="2023-05-15T23:20:00.368" v="17" actId="1076"/>
+          <ac:spMkLst>
+            <pc:docMk/>
+            <pc:sldMk cId="4268742440" sldId="1214"/>
+            <ac:spMk id="5" creationId="{847AB586-883C-43E4-A325-528B6927F645}"/>
+          </ac:spMkLst>
+        </pc:spChg>
+        <pc:spChg chg="mod">
+          <ac:chgData name="Raul Meira de Souza" userId="0b810766-76aa-4ac6-b01e-c80b8c896654" providerId="ADAL" clId="{77C74E0B-743A-42A7-977E-45E5C636DD9B}" dt="2023-05-15T23:20:27.673" v="22" actId="1076"/>
+          <ac:spMkLst>
+            <pc:docMk/>
+            <pc:sldMk cId="4268742440" sldId="1214"/>
+            <ac:spMk id="10" creationId="{2ECD0671-69B4-4A7F-87A3-D043B6999F3D}"/>
+          </ac:spMkLst>
+        </pc:spChg>
+        <pc:spChg chg="mod">
+          <ac:chgData name="Raul Meira de Souza" userId="0b810766-76aa-4ac6-b01e-c80b8c896654" providerId="ADAL" clId="{77C74E0B-743A-42A7-977E-45E5C636DD9B}" dt="2023-05-15T23:20:27.673" v="22" actId="1076"/>
+          <ac:spMkLst>
+            <pc:docMk/>
+            <pc:sldMk cId="4268742440" sldId="1214"/>
+            <ac:spMk id="28" creationId="{1C2919EA-7F4A-4B56-81F5-86D9E72B1BB9}"/>
+          </ac:spMkLst>
+        </pc:spChg>
+        <pc:spChg chg="mod">
+          <ac:chgData name="Raul Meira de Souza" userId="0b810766-76aa-4ac6-b01e-c80b8c896654" providerId="ADAL" clId="{77C74E0B-743A-42A7-977E-45E5C636DD9B}" dt="2023-05-15T23:20:27.673" v="22" actId="1076"/>
+          <ac:spMkLst>
+            <pc:docMk/>
+            <pc:sldMk cId="4268742440" sldId="1214"/>
+            <ac:spMk id="29" creationId="{E41B93D7-7C43-4F38-B2C7-36AA09EE77C1}"/>
+          </ac:spMkLst>
+        </pc:spChg>
+        <pc:spChg chg="mod">
+          <ac:chgData name="Raul Meira de Souza" userId="0b810766-76aa-4ac6-b01e-c80b8c896654" providerId="ADAL" clId="{77C74E0B-743A-42A7-977E-45E5C636DD9B}" dt="2023-05-15T23:20:27.673" v="22" actId="1076"/>
+          <ac:spMkLst>
+            <pc:docMk/>
+            <pc:sldMk cId="4268742440" sldId="1214"/>
+            <ac:spMk id="30" creationId="{29BCB860-DCE0-484B-BF9F-99A0581E284E}"/>
+          </ac:spMkLst>
+        </pc:spChg>
+        <pc:grpChg chg="mod">
+          <ac:chgData name="Raul Meira de Souza" userId="0b810766-76aa-4ac6-b01e-c80b8c896654" providerId="ADAL" clId="{77C74E0B-743A-42A7-977E-45E5C636DD9B}" dt="2023-05-15T23:20:00.368" v="17" actId="1076"/>
+          <ac:grpSpMkLst>
+            <pc:docMk/>
+            <pc:sldMk cId="4268742440" sldId="1214"/>
+            <ac:grpSpMk id="14" creationId="{83DF1606-3CBB-404A-A2C9-7175F8FB6BEF}"/>
+          </ac:grpSpMkLst>
+        </pc:grpChg>
+        <pc:cxnChg chg="mod">
+          <ac:chgData name="Raul Meira de Souza" userId="0b810766-76aa-4ac6-b01e-c80b8c896654" providerId="ADAL" clId="{77C74E0B-743A-42A7-977E-45E5C636DD9B}" dt="2023-05-15T23:20:48.909" v="28" actId="14100"/>
+          <ac:cxnSpMkLst>
+            <pc:docMk/>
+            <pc:sldMk cId="4268742440" sldId="1214"/>
+            <ac:cxnSpMk id="8" creationId="{7737C901-63D2-4B09-A235-AFC66659F7BF}"/>
+          </ac:cxnSpMkLst>
+        </pc:cxnChg>
+        <pc:cxnChg chg="mod">
+          <ac:chgData name="Raul Meira de Souza" userId="0b810766-76aa-4ac6-b01e-c80b8c896654" providerId="ADAL" clId="{77C74E0B-743A-42A7-977E-45E5C636DD9B}" dt="2023-05-15T23:20:45.168" v="26" actId="14100"/>
+          <ac:cxnSpMkLst>
+            <pc:docMk/>
+            <pc:sldMk cId="4268742440" sldId="1214"/>
+            <ac:cxnSpMk id="23" creationId="{9142C912-572F-12BE-8D0A-256B5DBB06DF}"/>
+          </ac:cxnSpMkLst>
+        </pc:cxnChg>
+        <pc:cxnChg chg="mod">
+          <ac:chgData name="Raul Meira de Souza" userId="0b810766-76aa-4ac6-b01e-c80b8c896654" providerId="ADAL" clId="{77C74E0B-743A-42A7-977E-45E5C636DD9B}" dt="2023-05-15T23:20:46.984" v="27" actId="14100"/>
+          <ac:cxnSpMkLst>
+            <pc:docMk/>
+            <pc:sldMk cId="4268742440" sldId="1214"/>
+            <ac:cxnSpMk id="36" creationId="{BDB27878-4D59-76C6-96A7-613A29E24B9A}"/>
+          </ac:cxnSpMkLst>
+        </pc:cxnChg>
+        <pc:cxnChg chg="mod">
+          <ac:chgData name="Raul Meira de Souza" userId="0b810766-76aa-4ac6-b01e-c80b8c896654" providerId="ADAL" clId="{77C74E0B-743A-42A7-977E-45E5C636DD9B}" dt="2023-05-15T23:20:38.198" v="25" actId="14100"/>
+          <ac:cxnSpMkLst>
+            <pc:docMk/>
+            <pc:sldMk cId="4268742440" sldId="1214"/>
+            <ac:cxnSpMk id="44" creationId="{3C23B3A4-7EF6-4CB2-94D0-F5F5175921C1}"/>
+          </ac:cxnSpMkLst>
+        </pc:cxnChg>
+      </pc:sldChg>
+    </pc:docChg>
+  </pc:docChgLst>
+  <pc:docChgLst>
     <pc:chgData name="Raul Meira de Souza" userId="0b810766-76aa-4ac6-b01e-c80b8c896654" providerId="ADAL" clId="{ADC36DD9-CB54-43FE-9625-B372A7B87E71}"/>
     <pc:docChg chg="delSld">
       <pc:chgData name="Raul Meira de Souza" userId="0b810766-76aa-4ac6-b01e-c80b8c896654" providerId="ADAL" clId="{ADC36DD9-CB54-43FE-9625-B372A7B87E71}" dt="2023-04-22T00:05:46.942" v="0" actId="47"/>
@@ -223,7 +327,7 @@
           <a:p>
             <a:fld id="{8AC79F10-E06E-4CE2-A9B4-B99BB230B28A}" type="datetimeFigureOut">
               <a:rPr lang="pt-BR" smtClean="0"/>
-              <a:t>21/04/2023</a:t>
+              <a:t>15/05/2023</a:t>
             </a:fld>
             <a:endParaRPr lang="pt-BR"/>
           </a:p>
@@ -11387,7 +11491,7 @@
         </p:nvSpPr>
         <p:spPr>
           <a:xfrm>
-            <a:off x="340329" y="46415"/>
+            <a:off x="320009" y="8207"/>
             <a:ext cx="10858825" cy="567129"/>
           </a:xfrm>
           <a:prstGeom prst="rect">
@@ -11550,8 +11654,8 @@
         </p:nvCxnSpPr>
         <p:spPr>
           <a:xfrm flipH="1">
-            <a:off x="4691599" y="3058038"/>
-            <a:ext cx="2444531" cy="2224068"/>
+            <a:off x="4691599" y="2782679"/>
+            <a:ext cx="2894008" cy="2499427"/>
           </a:xfrm>
           <a:prstGeom prst="straightConnector1">
             <a:avLst/>
@@ -11596,7 +11700,7 @@
         </p:nvSpPr>
         <p:spPr>
           <a:xfrm>
-            <a:off x="7136130" y="1349237"/>
+            <a:off x="7570359" y="1223319"/>
             <a:ext cx="2676014" cy="2043546"/>
           </a:xfrm>
           <a:prstGeom prst="rect">
@@ -11733,7 +11837,7 @@
         </p:nvGrpSpPr>
         <p:grpSpPr>
           <a:xfrm>
-            <a:off x="7381586" y="4144713"/>
+            <a:off x="7574626" y="4148038"/>
             <a:ext cx="2731718" cy="2043545"/>
             <a:chOff x="8392958" y="3891083"/>
             <a:chExt cx="3276202" cy="2212133"/>
@@ -12052,8 +12156,8 @@
         </p:nvCxnSpPr>
         <p:spPr>
           <a:xfrm flipH="1" flipV="1">
-            <a:off x="8474137" y="3392783"/>
-            <a:ext cx="273308" cy="751930"/>
+            <a:off x="8908366" y="3266865"/>
+            <a:ext cx="32119" cy="881173"/>
           </a:xfrm>
           <a:prstGeom prst="straightConnector1">
             <a:avLst/>
@@ -12098,7 +12202,7 @@
         </p:nvSpPr>
         <p:spPr>
           <a:xfrm>
-            <a:off x="7452538" y="4425913"/>
+            <a:off x="7645578" y="4429238"/>
             <a:ext cx="2611721" cy="1677382"/>
           </a:xfrm>
           <a:prstGeom prst="rect">
@@ -12480,7 +12584,7 @@
         <p:spPr>
           <a:xfrm flipH="1" flipV="1">
             <a:off x="4802044" y="1440316"/>
-            <a:ext cx="2334086" cy="379236"/>
+            <a:ext cx="2768315" cy="350123"/>
           </a:xfrm>
           <a:prstGeom prst="straightConnector1">
             <a:avLst/>
@@ -12522,14 +12626,15 @@
           </p:cNvPr>
           <p:cNvCxnSpPr>
             <a:cxnSpLocks/>
+            <a:stCxn id="10" idx="1"/>
             <a:endCxn id="45" idx="3"/>
           </p:cNvCxnSpPr>
           <p:nvPr/>
         </p:nvCxnSpPr>
         <p:spPr>
           <a:xfrm flipH="1">
-            <a:off x="4760606" y="2303782"/>
-            <a:ext cx="2333680" cy="768283"/>
+            <a:off x="4760606" y="2245092"/>
+            <a:ext cx="2809753" cy="826973"/>
           </a:xfrm>
           <a:prstGeom prst="straightConnector1">
             <a:avLst/>
@@ -12752,7 +12857,7 @@
         </p:nvSpPr>
         <p:spPr>
           <a:xfrm>
-            <a:off x="7200424" y="1419763"/>
+            <a:off x="7634653" y="1293845"/>
             <a:ext cx="2148723" cy="209609"/>
           </a:xfrm>
           <a:prstGeom prst="rect">
@@ -12811,7 +12916,7 @@
         </p:nvSpPr>
         <p:spPr>
           <a:xfrm>
-            <a:off x="9571981" y="1387924"/>
+            <a:off x="10006210" y="1262006"/>
             <a:ext cx="240163" cy="273286"/>
           </a:xfrm>
           <a:prstGeom prst="mathMultiply">
@@ -12865,7 +12970,7 @@
         </p:nvSpPr>
         <p:spPr>
           <a:xfrm rot="16500000">
-            <a:off x="9436880" y="1403925"/>
+            <a:off x="9871109" y="1278007"/>
             <a:ext cx="199539" cy="240136"/>
           </a:xfrm>
           <a:prstGeom prst="circularArrow">
@@ -13832,7 +13937,7 @@
 </file>
 
 <file path=customXml/itemProps2.xml><?xml version="1.0" encoding="utf-8"?>
-<ds:datastoreItem xmlns:ds="http://schemas.openxmlformats.org/officeDocument/2006/customXml" ds:itemID="{89972C15-A741-472E-B305-DD97487358F0}">
+<ds:datastoreItem xmlns:ds="http://schemas.openxmlformats.org/officeDocument/2006/customXml" ds:itemID="{2B9E37B2-BF22-4497-90EF-CDCA3440008E}">
   <ds:schemaRefs>
     <ds:schemaRef ds:uri="http://schemas.microsoft.com/VisualStudio/2011/storyboarding/control"/>
   </ds:schemaRefs>
@@ -13840,7 +13945,7 @@
 </file>
 
 <file path=customXml/itemProps3.xml><?xml version="1.0" encoding="utf-8"?>
-<ds:datastoreItem xmlns:ds="http://schemas.openxmlformats.org/officeDocument/2006/customXml" ds:itemID="{2B9E37B2-BF22-4497-90EF-CDCA3440008E}">
+<ds:datastoreItem xmlns:ds="http://schemas.openxmlformats.org/officeDocument/2006/customXml" ds:itemID="{89972C15-A741-472E-B305-DD97487358F0}">
   <ds:schemaRefs>
     <ds:schemaRef ds:uri="http://schemas.microsoft.com/VisualStudio/2011/storyboarding/control"/>
   </ds:schemaRefs>
